--- a/面试题/2.pptx
+++ b/面试题/2.pptx
@@ -843,7 +843,7 @@
           <a:p>
             <a:fld id="{07633860-49ED-4E50-98DF-11CDC04F6B9F}" type="datetimeFigureOut">
               <a:rPr lang="zh-CN" altLang="en-US" smtClean="0"/>
-              <a:t>2019/6/11</a:t>
+              <a:t>2019/12/16</a:t>
             </a:fld>
             <a:endParaRPr lang="zh-CN" altLang="en-US"/>
           </a:p>
@@ -1094,7 +1094,7 @@
           <a:p>
             <a:fld id="{07633860-49ED-4E50-98DF-11CDC04F6B9F}" type="datetimeFigureOut">
               <a:rPr lang="zh-CN" altLang="en-US" smtClean="0"/>
-              <a:t>2019/6/11</a:t>
+              <a:t>2019/12/16</a:t>
             </a:fld>
             <a:endParaRPr lang="zh-CN" altLang="en-US"/>
           </a:p>
@@ -1408,7 +1408,7 @@
           <a:p>
             <a:fld id="{07633860-49ED-4E50-98DF-11CDC04F6B9F}" type="datetimeFigureOut">
               <a:rPr lang="zh-CN" altLang="en-US" smtClean="0"/>
-              <a:t>2019/6/11</a:t>
+              <a:t>2019/12/16</a:t>
             </a:fld>
             <a:endParaRPr lang="zh-CN" altLang="en-US"/>
           </a:p>
@@ -1749,7 +1749,7 @@
           <a:p>
             <a:fld id="{07633860-49ED-4E50-98DF-11CDC04F6B9F}" type="datetimeFigureOut">
               <a:rPr lang="zh-CN" altLang="en-US" smtClean="0"/>
-              <a:t>2019/6/11</a:t>
+              <a:t>2019/12/16</a:t>
             </a:fld>
             <a:endParaRPr lang="zh-CN" altLang="en-US"/>
           </a:p>
@@ -2063,7 +2063,7 @@
           <a:p>
             <a:fld id="{07633860-49ED-4E50-98DF-11CDC04F6B9F}" type="datetimeFigureOut">
               <a:rPr lang="zh-CN" altLang="en-US" smtClean="0"/>
-              <a:t>2019/6/11</a:t>
+              <a:t>2019/12/16</a:t>
             </a:fld>
             <a:endParaRPr lang="zh-CN" altLang="en-US"/>
           </a:p>
@@ -2456,7 +2456,7 @@
           <a:p>
             <a:fld id="{07633860-49ED-4E50-98DF-11CDC04F6B9F}" type="datetimeFigureOut">
               <a:rPr lang="zh-CN" altLang="en-US" smtClean="0"/>
-              <a:t>2019/6/11</a:t>
+              <a:t>2019/12/16</a:t>
             </a:fld>
             <a:endParaRPr lang="zh-CN" altLang="en-US"/>
           </a:p>
@@ -2626,7 +2626,7 @@
           <a:p>
             <a:fld id="{07633860-49ED-4E50-98DF-11CDC04F6B9F}" type="datetimeFigureOut">
               <a:rPr lang="zh-CN" altLang="en-US" smtClean="0"/>
-              <a:t>2019/6/11</a:t>
+              <a:t>2019/12/16</a:t>
             </a:fld>
             <a:endParaRPr lang="zh-CN" altLang="en-US"/>
           </a:p>
@@ -2806,7 +2806,7 @@
           <a:p>
             <a:fld id="{07633860-49ED-4E50-98DF-11CDC04F6B9F}" type="datetimeFigureOut">
               <a:rPr lang="zh-CN" altLang="en-US" smtClean="0"/>
-              <a:t>2019/6/11</a:t>
+              <a:t>2019/12/16</a:t>
             </a:fld>
             <a:endParaRPr lang="zh-CN" altLang="en-US"/>
           </a:p>
@@ -2982,7 +2982,7 @@
           <a:p>
             <a:fld id="{07633860-49ED-4E50-98DF-11CDC04F6B9F}" type="datetimeFigureOut">
               <a:rPr lang="zh-CN" altLang="en-US" smtClean="0"/>
-              <a:t>2019/6/11</a:t>
+              <a:t>2019/12/16</a:t>
             </a:fld>
             <a:endParaRPr lang="zh-CN" altLang="en-US"/>
           </a:p>
@@ -3229,7 +3229,7 @@
           <a:p>
             <a:fld id="{07633860-49ED-4E50-98DF-11CDC04F6B9F}" type="datetimeFigureOut">
               <a:rPr lang="zh-CN" altLang="en-US" smtClean="0"/>
-              <a:t>2019/6/11</a:t>
+              <a:t>2019/12/16</a:t>
             </a:fld>
             <a:endParaRPr lang="zh-CN" altLang="en-US"/>
           </a:p>
@@ -3461,7 +3461,7 @@
           <a:p>
             <a:fld id="{07633860-49ED-4E50-98DF-11CDC04F6B9F}" type="datetimeFigureOut">
               <a:rPr lang="zh-CN" altLang="en-US" smtClean="0"/>
-              <a:t>2019/6/11</a:t>
+              <a:t>2019/12/16</a:t>
             </a:fld>
             <a:endParaRPr lang="zh-CN" altLang="en-US"/>
           </a:p>
@@ -3835,7 +3835,7 @@
           <a:p>
             <a:fld id="{07633860-49ED-4E50-98DF-11CDC04F6B9F}" type="datetimeFigureOut">
               <a:rPr lang="zh-CN" altLang="en-US" smtClean="0"/>
-              <a:t>2019/6/11</a:t>
+              <a:t>2019/12/16</a:t>
             </a:fld>
             <a:endParaRPr lang="zh-CN" altLang="en-US"/>
           </a:p>
@@ -3958,7 +3958,7 @@
           <a:p>
             <a:fld id="{07633860-49ED-4E50-98DF-11CDC04F6B9F}" type="datetimeFigureOut">
               <a:rPr lang="zh-CN" altLang="en-US" smtClean="0"/>
-              <a:t>2019/6/11</a:t>
+              <a:t>2019/12/16</a:t>
             </a:fld>
             <a:endParaRPr lang="zh-CN" altLang="en-US"/>
           </a:p>
@@ -4053,7 +4053,7 @@
           <a:p>
             <a:fld id="{07633860-49ED-4E50-98DF-11CDC04F6B9F}" type="datetimeFigureOut">
               <a:rPr lang="zh-CN" altLang="en-US" smtClean="0"/>
-              <a:t>2019/6/11</a:t>
+              <a:t>2019/12/16</a:t>
             </a:fld>
             <a:endParaRPr lang="zh-CN" altLang="en-US"/>
           </a:p>
@@ -4308,7 +4308,7 @@
           <a:p>
             <a:fld id="{07633860-49ED-4E50-98DF-11CDC04F6B9F}" type="datetimeFigureOut">
               <a:rPr lang="zh-CN" altLang="en-US" smtClean="0"/>
-              <a:t>2019/6/11</a:t>
+              <a:t>2019/12/16</a:t>
             </a:fld>
             <a:endParaRPr lang="zh-CN" altLang="en-US"/>
           </a:p>
@@ -4571,7 +4571,7 @@
           <a:p>
             <a:fld id="{07633860-49ED-4E50-98DF-11CDC04F6B9F}" type="datetimeFigureOut">
               <a:rPr lang="zh-CN" altLang="en-US" smtClean="0"/>
-              <a:t>2019/6/11</a:t>
+              <a:t>2019/12/16</a:t>
             </a:fld>
             <a:endParaRPr lang="zh-CN" altLang="en-US"/>
           </a:p>
@@ -5314,7 +5314,7 @@
           <a:p>
             <a:fld id="{07633860-49ED-4E50-98DF-11CDC04F6B9F}" type="datetimeFigureOut">
               <a:rPr lang="zh-CN" altLang="en-US" smtClean="0"/>
-              <a:t>2019/6/11</a:t>
+              <a:t>2019/12/16</a:t>
             </a:fld>
             <a:endParaRPr lang="zh-CN" altLang="en-US"/>
           </a:p>
@@ -6857,7 +6857,7 @@
               <a:t>index</a:t>
             </a:r>
             <a:r>
-              <a:rPr lang="zh-CN" altLang="en-US" smtClean="0">
+              <a:rPr lang="zh-CN" altLang="en-US" dirty="0" smtClean="0">
                 <a:solidFill>
                   <a:srgbClr val="FF0000"/>
                 </a:solidFill>
@@ -7022,6 +7022,44 @@
           </a:prstGeom>
         </p:spPr>
       </p:pic>
+      <p:sp>
+        <p:nvSpPr>
+          <p:cNvPr id="5" name="文本框 4"/>
+          <p:cNvSpPr txBox="1"/>
+          <p:nvPr/>
+        </p:nvSpPr>
+        <p:spPr>
+          <a:xfrm>
+            <a:off x="1477108" y="4711078"/>
+            <a:ext cx="5266593" cy="369332"/>
+          </a:xfrm>
+          <a:prstGeom prst="rect">
+            <a:avLst/>
+          </a:prstGeom>
+          <a:noFill/>
+        </p:spPr>
+        <p:txBody>
+          <a:bodyPr wrap="square" rtlCol="0">
+            <a:spAutoFit/>
+          </a:bodyPr>
+          <a:lstStyle/>
+          <a:p>
+            <a:r>
+              <a:rPr lang="zh-CN" altLang="en-US" smtClean="0">
+                <a:solidFill>
+                  <a:srgbClr val="FF0000"/>
+                </a:solidFill>
+              </a:rPr>
+              <a:t>已完成，消耗空间，重新生成新的丑数数组</a:t>
+            </a:r>
+            <a:endParaRPr lang="zh-CN" altLang="en-US" dirty="0">
+              <a:solidFill>
+                <a:srgbClr val="FF0000"/>
+              </a:solidFill>
+            </a:endParaRPr>
+          </a:p>
+        </p:txBody>
+      </p:sp>
     </p:spTree>
     <p:extLst>
       <p:ext uri="{BB962C8B-B14F-4D97-AF65-F5344CB8AC3E}">

--- a/面试题/2.pptx
+++ b/面试题/2.pptx
@@ -843,7 +843,7 @@
           <a:p>
             <a:fld id="{07633860-49ED-4E50-98DF-11CDC04F6B9F}" type="datetimeFigureOut">
               <a:rPr lang="zh-CN" altLang="en-US" smtClean="0"/>
-              <a:t>2019/12/16</a:t>
+              <a:t>2019/12/23</a:t>
             </a:fld>
             <a:endParaRPr lang="zh-CN" altLang="en-US"/>
           </a:p>
@@ -1094,7 +1094,7 @@
           <a:p>
             <a:fld id="{07633860-49ED-4E50-98DF-11CDC04F6B9F}" type="datetimeFigureOut">
               <a:rPr lang="zh-CN" altLang="en-US" smtClean="0"/>
-              <a:t>2019/12/16</a:t>
+              <a:t>2019/12/23</a:t>
             </a:fld>
             <a:endParaRPr lang="zh-CN" altLang="en-US"/>
           </a:p>
@@ -1408,7 +1408,7 @@
           <a:p>
             <a:fld id="{07633860-49ED-4E50-98DF-11CDC04F6B9F}" type="datetimeFigureOut">
               <a:rPr lang="zh-CN" altLang="en-US" smtClean="0"/>
-              <a:t>2019/12/16</a:t>
+              <a:t>2019/12/23</a:t>
             </a:fld>
             <a:endParaRPr lang="zh-CN" altLang="en-US"/>
           </a:p>
@@ -1749,7 +1749,7 @@
           <a:p>
             <a:fld id="{07633860-49ED-4E50-98DF-11CDC04F6B9F}" type="datetimeFigureOut">
               <a:rPr lang="zh-CN" altLang="en-US" smtClean="0"/>
-              <a:t>2019/12/16</a:t>
+              <a:t>2019/12/23</a:t>
             </a:fld>
             <a:endParaRPr lang="zh-CN" altLang="en-US"/>
           </a:p>
@@ -2063,7 +2063,7 @@
           <a:p>
             <a:fld id="{07633860-49ED-4E50-98DF-11CDC04F6B9F}" type="datetimeFigureOut">
               <a:rPr lang="zh-CN" altLang="en-US" smtClean="0"/>
-              <a:t>2019/12/16</a:t>
+              <a:t>2019/12/23</a:t>
             </a:fld>
             <a:endParaRPr lang="zh-CN" altLang="en-US"/>
           </a:p>
@@ -2456,7 +2456,7 @@
           <a:p>
             <a:fld id="{07633860-49ED-4E50-98DF-11CDC04F6B9F}" type="datetimeFigureOut">
               <a:rPr lang="zh-CN" altLang="en-US" smtClean="0"/>
-              <a:t>2019/12/16</a:t>
+              <a:t>2019/12/23</a:t>
             </a:fld>
             <a:endParaRPr lang="zh-CN" altLang="en-US"/>
           </a:p>
@@ -2626,7 +2626,7 @@
           <a:p>
             <a:fld id="{07633860-49ED-4E50-98DF-11CDC04F6B9F}" type="datetimeFigureOut">
               <a:rPr lang="zh-CN" altLang="en-US" smtClean="0"/>
-              <a:t>2019/12/16</a:t>
+              <a:t>2019/12/23</a:t>
             </a:fld>
             <a:endParaRPr lang="zh-CN" altLang="en-US"/>
           </a:p>
@@ -2806,7 +2806,7 @@
           <a:p>
             <a:fld id="{07633860-49ED-4E50-98DF-11CDC04F6B9F}" type="datetimeFigureOut">
               <a:rPr lang="zh-CN" altLang="en-US" smtClean="0"/>
-              <a:t>2019/12/16</a:t>
+              <a:t>2019/12/23</a:t>
             </a:fld>
             <a:endParaRPr lang="zh-CN" altLang="en-US"/>
           </a:p>
@@ -2982,7 +2982,7 @@
           <a:p>
             <a:fld id="{07633860-49ED-4E50-98DF-11CDC04F6B9F}" type="datetimeFigureOut">
               <a:rPr lang="zh-CN" altLang="en-US" smtClean="0"/>
-              <a:t>2019/12/16</a:t>
+              <a:t>2019/12/23</a:t>
             </a:fld>
             <a:endParaRPr lang="zh-CN" altLang="en-US"/>
           </a:p>
@@ -3229,7 +3229,7 @@
           <a:p>
             <a:fld id="{07633860-49ED-4E50-98DF-11CDC04F6B9F}" type="datetimeFigureOut">
               <a:rPr lang="zh-CN" altLang="en-US" smtClean="0"/>
-              <a:t>2019/12/16</a:t>
+              <a:t>2019/12/23</a:t>
             </a:fld>
             <a:endParaRPr lang="zh-CN" altLang="en-US"/>
           </a:p>
@@ -3461,7 +3461,7 @@
           <a:p>
             <a:fld id="{07633860-49ED-4E50-98DF-11CDC04F6B9F}" type="datetimeFigureOut">
               <a:rPr lang="zh-CN" altLang="en-US" smtClean="0"/>
-              <a:t>2019/12/16</a:t>
+              <a:t>2019/12/23</a:t>
             </a:fld>
             <a:endParaRPr lang="zh-CN" altLang="en-US"/>
           </a:p>
@@ -3835,7 +3835,7 @@
           <a:p>
             <a:fld id="{07633860-49ED-4E50-98DF-11CDC04F6B9F}" type="datetimeFigureOut">
               <a:rPr lang="zh-CN" altLang="en-US" smtClean="0"/>
-              <a:t>2019/12/16</a:t>
+              <a:t>2019/12/23</a:t>
             </a:fld>
             <a:endParaRPr lang="zh-CN" altLang="en-US"/>
           </a:p>
@@ -3958,7 +3958,7 @@
           <a:p>
             <a:fld id="{07633860-49ED-4E50-98DF-11CDC04F6B9F}" type="datetimeFigureOut">
               <a:rPr lang="zh-CN" altLang="en-US" smtClean="0"/>
-              <a:t>2019/12/16</a:t>
+              <a:t>2019/12/23</a:t>
             </a:fld>
             <a:endParaRPr lang="zh-CN" altLang="en-US"/>
           </a:p>
@@ -4053,7 +4053,7 @@
           <a:p>
             <a:fld id="{07633860-49ED-4E50-98DF-11CDC04F6B9F}" type="datetimeFigureOut">
               <a:rPr lang="zh-CN" altLang="en-US" smtClean="0"/>
-              <a:t>2019/12/16</a:t>
+              <a:t>2019/12/23</a:t>
             </a:fld>
             <a:endParaRPr lang="zh-CN" altLang="en-US"/>
           </a:p>
@@ -4308,7 +4308,7 @@
           <a:p>
             <a:fld id="{07633860-49ED-4E50-98DF-11CDC04F6B9F}" type="datetimeFigureOut">
               <a:rPr lang="zh-CN" altLang="en-US" smtClean="0"/>
-              <a:t>2019/12/16</a:t>
+              <a:t>2019/12/23</a:t>
             </a:fld>
             <a:endParaRPr lang="zh-CN" altLang="en-US"/>
           </a:p>
@@ -4571,7 +4571,7 @@
           <a:p>
             <a:fld id="{07633860-49ED-4E50-98DF-11CDC04F6B9F}" type="datetimeFigureOut">
               <a:rPr lang="zh-CN" altLang="en-US" smtClean="0"/>
-              <a:t>2019/12/16</a:t>
+              <a:t>2019/12/23</a:t>
             </a:fld>
             <a:endParaRPr lang="zh-CN" altLang="en-US"/>
           </a:p>
@@ -5314,7 +5314,7 @@
           <a:p>
             <a:fld id="{07633860-49ED-4E50-98DF-11CDC04F6B9F}" type="datetimeFigureOut">
               <a:rPr lang="zh-CN" altLang="en-US" smtClean="0"/>
-              <a:t>2019/12/16</a:t>
+              <a:t>2019/12/23</a:t>
             </a:fld>
             <a:endParaRPr lang="zh-CN" altLang="en-US"/>
           </a:p>
@@ -6947,6 +6947,68 @@
           </a:prstGeom>
         </p:spPr>
       </p:pic>
+      <p:sp>
+        <p:nvSpPr>
+          <p:cNvPr id="5" name="文本框 4"/>
+          <p:cNvSpPr txBox="1"/>
+          <p:nvPr/>
+        </p:nvSpPr>
+        <p:spPr>
+          <a:xfrm>
+            <a:off x="1477108" y="4711078"/>
+            <a:ext cx="5266593" cy="369332"/>
+          </a:xfrm>
+          <a:prstGeom prst="rect">
+            <a:avLst/>
+          </a:prstGeom>
+          <a:noFill/>
+        </p:spPr>
+        <p:txBody>
+          <a:bodyPr wrap="square" rtlCol="0">
+            <a:spAutoFit/>
+          </a:bodyPr>
+          <a:lstStyle/>
+          <a:p>
+            <a:r>
+              <a:rPr lang="zh-CN" altLang="en-US" dirty="0" smtClean="0">
+                <a:solidFill>
+                  <a:srgbClr val="FF0000"/>
+                </a:solidFill>
+              </a:rPr>
+              <a:t>已</a:t>
+            </a:r>
+            <a:r>
+              <a:rPr lang="zh-CN" altLang="en-US" smtClean="0">
+                <a:solidFill>
+                  <a:srgbClr val="FF0000"/>
+                </a:solidFill>
+              </a:rPr>
+              <a:t>完成</a:t>
+            </a:r>
+            <a:r>
+              <a:rPr lang="zh-CN" altLang="en-US" smtClean="0">
+                <a:solidFill>
+                  <a:srgbClr val="FF0000"/>
+                </a:solidFill>
+              </a:rPr>
+              <a:t>，</a:t>
+            </a:r>
+            <a:r>
+              <a:rPr lang="zh-CN" altLang="en-US" smtClean="0">
+                <a:solidFill>
+                  <a:srgbClr val="FF0000"/>
+                </a:solidFill>
+              </a:rPr>
+              <a:t>堆排序方法</a:t>
+            </a:r>
+            <a:endParaRPr lang="zh-CN" altLang="en-US" dirty="0">
+              <a:solidFill>
+                <a:srgbClr val="FF0000"/>
+              </a:solidFill>
+            </a:endParaRPr>
+          </a:p>
+        </p:txBody>
+      </p:sp>
     </p:spTree>
     <p:extLst>
       <p:ext uri="{BB962C8B-B14F-4D97-AF65-F5344CB8AC3E}">
@@ -7045,7 +7107,7 @@
           <a:lstStyle/>
           <a:p>
             <a:r>
-              <a:rPr lang="zh-CN" altLang="en-US" smtClean="0">
+              <a:rPr lang="zh-CN" altLang="en-US" dirty="0" smtClean="0">
                 <a:solidFill>
                   <a:srgbClr val="FF0000"/>
                 </a:solidFill>
